--- a/Valutaváltó_Márta.pptx
+++ b/Valutaváltó_Márta.pptx
@@ -8883,7 +8883,7 @@
           <a:p>
             <a:fld id="{323C8F17-2A83-4C9F-9979-33D94930DDBB}" type="datetimeFigureOut">
               <a:rPr lang="hu-HU" smtClean="0"/>
-              <a:t>2025. 03. 15.</a:t>
+              <a:t>2025. 03. 19.</a:t>
             </a:fld>
             <a:endParaRPr lang="hu-HU"/>
           </a:p>
@@ -9319,7 +9319,7 @@
           <a:p>
             <a:fld id="{323C8F17-2A83-4C9F-9979-33D94930DDBB}" type="datetimeFigureOut">
               <a:rPr lang="hu-HU" smtClean="0"/>
-              <a:t>2025. 03. 15.</a:t>
+              <a:t>2025. 03. 19.</a:t>
             </a:fld>
             <a:endParaRPr lang="hu-HU"/>
           </a:p>
@@ -9569,7 +9569,7 @@
           <a:p>
             <a:fld id="{323C8F17-2A83-4C9F-9979-33D94930DDBB}" type="datetimeFigureOut">
               <a:rPr lang="hu-HU" smtClean="0"/>
-              <a:t>2025. 03. 15.</a:t>
+              <a:t>2025. 03. 19.</a:t>
             </a:fld>
             <a:endParaRPr lang="hu-HU"/>
           </a:p>
@@ -9877,7 +9877,7 @@
           <a:p>
             <a:fld id="{323C8F17-2A83-4C9F-9979-33D94930DDBB}" type="datetimeFigureOut">
               <a:rPr lang="hu-HU" smtClean="0"/>
-              <a:t>2025. 03. 15.</a:t>
+              <a:t>2025. 03. 19.</a:t>
             </a:fld>
             <a:endParaRPr lang="hu-HU"/>
           </a:p>
@@ -10195,7 +10195,7 @@
           <a:p>
             <a:fld id="{323C8F17-2A83-4C9F-9979-33D94930DDBB}" type="datetimeFigureOut">
               <a:rPr lang="hu-HU" smtClean="0"/>
-              <a:t>2025. 03. 15.</a:t>
+              <a:t>2025. 03. 19.</a:t>
             </a:fld>
             <a:endParaRPr lang="hu-HU"/>
           </a:p>
@@ -10497,7 +10497,7 @@
           <a:p>
             <a:fld id="{323C8F17-2A83-4C9F-9979-33D94930DDBB}" type="datetimeFigureOut">
               <a:rPr lang="hu-HU" smtClean="0"/>
-              <a:t>2025. 03. 15.</a:t>
+              <a:t>2025. 03. 19.</a:t>
             </a:fld>
             <a:endParaRPr lang="hu-HU"/>
           </a:p>
@@ -10864,7 +10864,7 @@
           <a:p>
             <a:fld id="{323C8F17-2A83-4C9F-9979-33D94930DDBB}" type="datetimeFigureOut">
               <a:rPr lang="hu-HU" smtClean="0"/>
-              <a:t>2025. 03. 15.</a:t>
+              <a:t>2025. 03. 19.</a:t>
             </a:fld>
             <a:endParaRPr lang="hu-HU"/>
           </a:p>
@@ -11038,7 +11038,7 @@
           <a:p>
             <a:fld id="{323C8F17-2A83-4C9F-9979-33D94930DDBB}" type="datetimeFigureOut">
               <a:rPr lang="hu-HU" smtClean="0"/>
-              <a:t>2025. 03. 15.</a:t>
+              <a:t>2025. 03. 19.</a:t>
             </a:fld>
             <a:endParaRPr lang="hu-HU"/>
           </a:p>
@@ -11218,7 +11218,7 @@
           <a:p>
             <a:fld id="{323C8F17-2A83-4C9F-9979-33D94930DDBB}" type="datetimeFigureOut">
               <a:rPr lang="hu-HU" smtClean="0"/>
-              <a:t>2025. 03. 15.</a:t>
+              <a:t>2025. 03. 19.</a:t>
             </a:fld>
             <a:endParaRPr lang="hu-HU"/>
           </a:p>
@@ -11388,7 +11388,7 @@
           <a:p>
             <a:fld id="{323C8F17-2A83-4C9F-9979-33D94930DDBB}" type="datetimeFigureOut">
               <a:rPr lang="hu-HU" smtClean="0"/>
-              <a:t>2025. 03. 15.</a:t>
+              <a:t>2025. 03. 19.</a:t>
             </a:fld>
             <a:endParaRPr lang="hu-HU"/>
           </a:p>
@@ -11638,7 +11638,7 @@
           <a:p>
             <a:fld id="{323C8F17-2A83-4C9F-9979-33D94930DDBB}" type="datetimeFigureOut">
               <a:rPr lang="hu-HU" smtClean="0"/>
-              <a:t>2025. 03. 15.</a:t>
+              <a:t>2025. 03. 19.</a:t>
             </a:fld>
             <a:endParaRPr lang="hu-HU"/>
           </a:p>
@@ -11874,7 +11874,7 @@
           <a:p>
             <a:fld id="{323C8F17-2A83-4C9F-9979-33D94930DDBB}" type="datetimeFigureOut">
               <a:rPr lang="hu-HU" smtClean="0"/>
-              <a:t>2025. 03. 15.</a:t>
+              <a:t>2025. 03. 19.</a:t>
             </a:fld>
             <a:endParaRPr lang="hu-HU"/>
           </a:p>
@@ -12256,7 +12256,7 @@
           <a:p>
             <a:fld id="{323C8F17-2A83-4C9F-9979-33D94930DDBB}" type="datetimeFigureOut">
               <a:rPr lang="hu-HU" smtClean="0"/>
-              <a:t>2025. 03. 15.</a:t>
+              <a:t>2025. 03. 19.</a:t>
             </a:fld>
             <a:endParaRPr lang="hu-HU"/>
           </a:p>
@@ -12374,7 +12374,7 @@
           <a:p>
             <a:fld id="{323C8F17-2A83-4C9F-9979-33D94930DDBB}" type="datetimeFigureOut">
               <a:rPr lang="hu-HU" smtClean="0"/>
-              <a:t>2025. 03. 15.</a:t>
+              <a:t>2025. 03. 19.</a:t>
             </a:fld>
             <a:endParaRPr lang="hu-HU"/>
           </a:p>
@@ -12469,7 +12469,7 @@
           <a:p>
             <a:fld id="{323C8F17-2A83-4C9F-9979-33D94930DDBB}" type="datetimeFigureOut">
               <a:rPr lang="hu-HU" smtClean="0"/>
-              <a:t>2025. 03. 15.</a:t>
+              <a:t>2025. 03. 19.</a:t>
             </a:fld>
             <a:endParaRPr lang="hu-HU"/>
           </a:p>
@@ -12724,7 +12724,7 @@
           <a:p>
             <a:fld id="{323C8F17-2A83-4C9F-9979-33D94930DDBB}" type="datetimeFigureOut">
               <a:rPr lang="hu-HU" smtClean="0"/>
-              <a:t>2025. 03. 15.</a:t>
+              <a:t>2025. 03. 19.</a:t>
             </a:fld>
             <a:endParaRPr lang="hu-HU"/>
           </a:p>
@@ -13007,7 +13007,7 @@
           <a:p>
             <a:fld id="{323C8F17-2A83-4C9F-9979-33D94930DDBB}" type="datetimeFigureOut">
               <a:rPr lang="hu-HU" smtClean="0"/>
-              <a:t>2025. 03. 15.</a:t>
+              <a:t>2025. 03. 19.</a:t>
             </a:fld>
             <a:endParaRPr lang="hu-HU"/>
           </a:p>
@@ -13413,7 +13413,7 @@
           <a:p>
             <a:fld id="{323C8F17-2A83-4C9F-9979-33D94930DDBB}" type="datetimeFigureOut">
               <a:rPr lang="hu-HU" smtClean="0"/>
-              <a:t>2025. 03. 15.</a:t>
+              <a:t>2025. 03. 19.</a:t>
             </a:fld>
             <a:endParaRPr lang="hu-HU"/>
           </a:p>
@@ -14771,7 +14771,88 @@
                 <a:ea typeface="Calibri" panose="020F0502020204030204" pitchFamily="34" charset="0"/>
                 <a:cs typeface="Times New Roman" panose="02020603050405020304" pitchFamily="18" charset="0"/>
               </a:rPr>
-              <a:t>Az adatbázist három lépésben hoztam létre</a:t>
+              <a:t>I </a:t>
+            </a:r>
+            <a:r>
+              <a:rPr lang="hu-HU" kern="100" dirty="0" err="1">
+                <a:effectLst/>
+                <a:latin typeface="Century Gothic" panose="020B0502020202020204" pitchFamily="34" charset="0"/>
+                <a:ea typeface="Calibri" panose="020F0502020204030204" pitchFamily="34" charset="0"/>
+                <a:cs typeface="Times New Roman" panose="02020603050405020304" pitchFamily="18" charset="0"/>
+              </a:rPr>
+              <a:t>created</a:t>
+            </a:r>
+            <a:r>
+              <a:rPr lang="hu-HU" kern="100" dirty="0">
+                <a:effectLst/>
+                <a:latin typeface="Century Gothic" panose="020B0502020202020204" pitchFamily="34" charset="0"/>
+                <a:ea typeface="Calibri" panose="020F0502020204030204" pitchFamily="34" charset="0"/>
+                <a:cs typeface="Times New Roman" panose="02020603050405020304" pitchFamily="18" charset="0"/>
+              </a:rPr>
+              <a:t> </a:t>
+            </a:r>
+            <a:r>
+              <a:rPr lang="hu-HU" kern="100" dirty="0" err="1">
+                <a:effectLst/>
+                <a:latin typeface="Century Gothic" panose="020B0502020202020204" pitchFamily="34" charset="0"/>
+                <a:ea typeface="Calibri" panose="020F0502020204030204" pitchFamily="34" charset="0"/>
+                <a:cs typeface="Times New Roman" panose="02020603050405020304" pitchFamily="18" charset="0"/>
+              </a:rPr>
+              <a:t>the</a:t>
+            </a:r>
+            <a:r>
+              <a:rPr lang="hu-HU" kern="100" dirty="0">
+                <a:effectLst/>
+                <a:latin typeface="Century Gothic" panose="020B0502020202020204" pitchFamily="34" charset="0"/>
+                <a:ea typeface="Calibri" panose="020F0502020204030204" pitchFamily="34" charset="0"/>
+                <a:cs typeface="Times New Roman" panose="02020603050405020304" pitchFamily="18" charset="0"/>
+              </a:rPr>
+              <a:t> </a:t>
+            </a:r>
+            <a:r>
+              <a:rPr lang="hu-HU" kern="100" dirty="0" err="1">
+                <a:effectLst/>
+                <a:latin typeface="Century Gothic" panose="020B0502020202020204" pitchFamily="34" charset="0"/>
+                <a:ea typeface="Calibri" panose="020F0502020204030204" pitchFamily="34" charset="0"/>
+                <a:cs typeface="Times New Roman" panose="02020603050405020304" pitchFamily="18" charset="0"/>
+              </a:rPr>
+              <a:t>database</a:t>
+            </a:r>
+            <a:r>
+              <a:rPr lang="hu-HU" kern="100" dirty="0">
+                <a:effectLst/>
+                <a:latin typeface="Century Gothic" panose="020B0502020202020204" pitchFamily="34" charset="0"/>
+                <a:ea typeface="Calibri" panose="020F0502020204030204" pitchFamily="34" charset="0"/>
+                <a:cs typeface="Times New Roman" panose="02020603050405020304" pitchFamily="18" charset="0"/>
+              </a:rPr>
+              <a:t> in </a:t>
+            </a:r>
+            <a:r>
+              <a:rPr lang="hu-HU" kern="100" dirty="0" err="1">
+                <a:effectLst/>
+                <a:latin typeface="Century Gothic" panose="020B0502020202020204" pitchFamily="34" charset="0"/>
+                <a:ea typeface="Calibri" panose="020F0502020204030204" pitchFamily="34" charset="0"/>
+                <a:cs typeface="Times New Roman" panose="02020603050405020304" pitchFamily="18" charset="0"/>
+              </a:rPr>
+              <a:t>three</a:t>
+            </a:r>
+            <a:r>
+              <a:rPr lang="hu-HU" kern="100" dirty="0">
+                <a:effectLst/>
+                <a:latin typeface="Century Gothic" panose="020B0502020202020204" pitchFamily="34" charset="0"/>
+                <a:ea typeface="Calibri" panose="020F0502020204030204" pitchFamily="34" charset="0"/>
+                <a:cs typeface="Times New Roman" panose="02020603050405020304" pitchFamily="18" charset="0"/>
+              </a:rPr>
+              <a:t> </a:t>
+            </a:r>
+            <a:r>
+              <a:rPr lang="hu-HU" kern="100" dirty="0" err="1">
+                <a:effectLst/>
+                <a:latin typeface="Century Gothic" panose="020B0502020202020204" pitchFamily="34" charset="0"/>
+                <a:ea typeface="Calibri" panose="020F0502020204030204" pitchFamily="34" charset="0"/>
+                <a:cs typeface="Times New Roman" panose="02020603050405020304" pitchFamily="18" charset="0"/>
+              </a:rPr>
+              <a:t>steps</a:t>
             </a:r>
             <a:r>
               <a:rPr lang="hu-HU" kern="100" dirty="0">
@@ -14892,8 +14973,25 @@
                   </a:schemeClr>
                 </a:solidFill>
               </a:rPr>
-              <a:t>Az adatbázis</a:t>
+              <a:t>The </a:t>
             </a:r>
+            <a:r>
+              <a:rPr lang="hu-HU" sz="3600" dirty="0" err="1">
+                <a:solidFill>
+                  <a:schemeClr val="bg2">
+                    <a:lumMod val="75000"/>
+                  </a:schemeClr>
+                </a:solidFill>
+              </a:rPr>
+              <a:t>database</a:t>
+            </a:r>
+            <a:endParaRPr lang="hu-HU" sz="3600" dirty="0">
+              <a:solidFill>
+                <a:schemeClr val="bg2">
+                  <a:lumMod val="75000"/>
+                </a:schemeClr>
+              </a:solidFill>
+            </a:endParaRPr>
           </a:p>
         </p:txBody>
       </p:sp>
@@ -14970,10 +15068,10 @@
                 <a:ea typeface="Calibri" panose="020F0502020204030204" pitchFamily="34" charset="0"/>
                 <a:cs typeface="Times New Roman" panose="02020603050405020304" pitchFamily="18" charset="0"/>
               </a:rPr>
-              <a:t>1. lépés: </a:t>
+              <a:t>1. </a:t>
             </a:r>
             <a:r>
-              <a:rPr lang="hu-HU" sz="2000" kern="100" dirty="0">
+              <a:rPr lang="hu-HU" sz="2000" b="1" kern="100" dirty="0" err="1">
                 <a:solidFill>
                   <a:schemeClr val="bg2">
                     <a:lumMod val="75000"/>
@@ -14983,37 +15081,8 @@
                 <a:ea typeface="Calibri" panose="020F0502020204030204" pitchFamily="34" charset="0"/>
                 <a:cs typeface="Times New Roman" panose="02020603050405020304" pitchFamily="18" charset="0"/>
               </a:rPr>
-              <a:t>Adatbázis megtervezése</a:t>
+              <a:t>step</a:t>
             </a:r>
-          </a:p>
-          <a:p>
-            <a:pPr marL="342900" indent="-342900">
-              <a:buAutoNum type="arabicPeriod"/>
-            </a:pPr>
-            <a:endParaRPr lang="hu-HU" sz="2000" kern="100" dirty="0">
-              <a:solidFill>
-                <a:schemeClr val="bg2">
-                  <a:lumMod val="75000"/>
-                </a:schemeClr>
-              </a:solidFill>
-              <a:latin typeface="Calibri" panose="020F0502020204030204" pitchFamily="34" charset="0"/>
-              <a:ea typeface="Calibri" panose="020F0502020204030204" pitchFamily="34" charset="0"/>
-              <a:cs typeface="Times New Roman" panose="02020603050405020304" pitchFamily="18" charset="0"/>
-            </a:endParaRPr>
-          </a:p>
-          <a:p>
-            <a:endParaRPr lang="hu-HU" sz="2000" kern="100" dirty="0">
-              <a:solidFill>
-                <a:schemeClr val="bg2">
-                  <a:lumMod val="75000"/>
-                </a:schemeClr>
-              </a:solidFill>
-              <a:latin typeface="Calibri" panose="020F0502020204030204" pitchFamily="34" charset="0"/>
-              <a:ea typeface="Calibri" panose="020F0502020204030204" pitchFamily="34" charset="0"/>
-              <a:cs typeface="Times New Roman" panose="02020603050405020304" pitchFamily="18" charset="0"/>
-            </a:endParaRPr>
-          </a:p>
-          <a:p>
             <a:r>
               <a:rPr lang="hu-HU" sz="2000" b="1" kern="100" dirty="0">
                 <a:solidFill>
@@ -15025,10 +15094,10 @@
                 <a:ea typeface="Calibri" panose="020F0502020204030204" pitchFamily="34" charset="0"/>
                 <a:cs typeface="Times New Roman" panose="02020603050405020304" pitchFamily="18" charset="0"/>
               </a:rPr>
-              <a:t>2. lépés: </a:t>
+              <a:t>: </a:t>
             </a:r>
             <a:r>
-              <a:rPr lang="hu-HU" sz="2000" kern="100" dirty="0">
+              <a:rPr lang="en-US" sz="2000" kern="100" dirty="0">
                 <a:solidFill>
                   <a:schemeClr val="bg2">
                     <a:lumMod val="75000"/>
@@ -15038,20 +15107,7 @@
                 <a:ea typeface="Calibri" panose="020F0502020204030204" pitchFamily="34" charset="0"/>
                 <a:cs typeface="Times New Roman" panose="02020603050405020304" pitchFamily="18" charset="0"/>
               </a:rPr>
-              <a:t>Adatbázis </a:t>
-            </a:r>
-            <a:r>
-              <a:rPr lang="hu-HU" sz="2000" kern="100" dirty="0" err="1">
-                <a:solidFill>
-                  <a:schemeClr val="bg2">
-                    <a:lumMod val="75000"/>
-                  </a:schemeClr>
-                </a:solidFill>
-                <a:latin typeface="Calibri" panose="020F0502020204030204" pitchFamily="34" charset="0"/>
-                <a:ea typeface="Calibri" panose="020F0502020204030204" pitchFamily="34" charset="0"/>
-                <a:cs typeface="Times New Roman" panose="02020603050405020304" pitchFamily="18" charset="0"/>
-              </a:rPr>
-              <a:t>dump</a:t>
+              <a:t>design and implementation database with MySQL</a:t>
             </a:r>
             <a:endParaRPr lang="hu-HU" sz="2000" kern="100" dirty="0">
               <a:solidFill>
@@ -15077,30 +15133,6 @@
             </a:endParaRPr>
           </a:p>
           <a:p>
-            <a:endParaRPr lang="hu-HU" sz="2000" kern="100" dirty="0">
-              <a:solidFill>
-                <a:schemeClr val="bg2">
-                  <a:lumMod val="75000"/>
-                </a:schemeClr>
-              </a:solidFill>
-              <a:latin typeface="Calibri" panose="020F0502020204030204" pitchFamily="34" charset="0"/>
-              <a:ea typeface="Calibri" panose="020F0502020204030204" pitchFamily="34" charset="0"/>
-              <a:cs typeface="Times New Roman" panose="02020603050405020304" pitchFamily="18" charset="0"/>
-            </a:endParaRPr>
-          </a:p>
-          <a:p>
-            <a:endParaRPr lang="hu-HU" sz="2000" kern="100" dirty="0">
-              <a:solidFill>
-                <a:schemeClr val="bg2">
-                  <a:lumMod val="75000"/>
-                </a:schemeClr>
-              </a:solidFill>
-              <a:latin typeface="Calibri" panose="020F0502020204030204" pitchFamily="34" charset="0"/>
-              <a:ea typeface="Calibri" panose="020F0502020204030204" pitchFamily="34" charset="0"/>
-              <a:cs typeface="Times New Roman" panose="02020603050405020304" pitchFamily="18" charset="0"/>
-            </a:endParaRPr>
-          </a:p>
-          <a:p>
             <a:r>
               <a:rPr lang="hu-HU" sz="2000" b="1" kern="100" dirty="0">
                 <a:solidFill>
@@ -15112,10 +15144,10 @@
                 <a:ea typeface="Calibri" panose="020F0502020204030204" pitchFamily="34" charset="0"/>
                 <a:cs typeface="Times New Roman" panose="02020603050405020304" pitchFamily="18" charset="0"/>
               </a:rPr>
-              <a:t>3. lépés: </a:t>
+              <a:t>2. </a:t>
             </a:r>
             <a:r>
-              <a:rPr lang="hu-HU" sz="2000" kern="100" dirty="0">
+              <a:rPr lang="hu-HU" sz="2000" b="1" kern="100" dirty="0" err="1">
                 <a:solidFill>
                   <a:schemeClr val="bg2">
                     <a:lumMod val="75000"/>
@@ -15125,10 +15157,10 @@
                 <a:ea typeface="Calibri" panose="020F0502020204030204" pitchFamily="34" charset="0"/>
                 <a:cs typeface="Times New Roman" panose="02020603050405020304" pitchFamily="18" charset="0"/>
               </a:rPr>
-              <a:t>A </a:t>
+              <a:t>step</a:t>
             </a:r>
             <a:r>
-              <a:rPr lang="hu-HU" sz="2000" kern="100" dirty="0" err="1">
+              <a:rPr lang="hu-HU" sz="2000" b="1" kern="100" dirty="0">
                 <a:solidFill>
                   <a:schemeClr val="bg2">
                     <a:lumMod val="75000"/>
@@ -15138,10 +15170,10 @@
                 <a:ea typeface="Calibri" panose="020F0502020204030204" pitchFamily="34" charset="0"/>
                 <a:cs typeface="Times New Roman" panose="02020603050405020304" pitchFamily="18" charset="0"/>
               </a:rPr>
-              <a:t>MYSQL-es</a:t>
+              <a:t>: </a:t>
             </a:r>
             <a:r>
-              <a:rPr lang="hu-HU" sz="2000" kern="100" dirty="0">
+              <a:rPr lang="en-US" sz="2000" kern="100" dirty="0">
                 <a:solidFill>
                   <a:schemeClr val="bg2">
                     <a:lumMod val="75000"/>
@@ -15151,10 +15183,46 @@
                 <a:ea typeface="Calibri" panose="020F0502020204030204" pitchFamily="34" charset="0"/>
                 <a:cs typeface="Times New Roman" panose="02020603050405020304" pitchFamily="18" charset="0"/>
               </a:rPr>
-              <a:t> adatbázis konvertálása </a:t>
+              <a:t>create the database dump to the documentation and the converting</a:t>
             </a:r>
+            <a:endParaRPr lang="hu-HU" sz="2000" kern="100" dirty="0">
+              <a:solidFill>
+                <a:schemeClr val="bg2">
+                  <a:lumMod val="75000"/>
+                </a:schemeClr>
+              </a:solidFill>
+              <a:latin typeface="Calibri" panose="020F0502020204030204" pitchFamily="34" charset="0"/>
+              <a:ea typeface="Calibri" panose="020F0502020204030204" pitchFamily="34" charset="0"/>
+              <a:cs typeface="Times New Roman" panose="02020603050405020304" pitchFamily="18" charset="0"/>
+            </a:endParaRPr>
+          </a:p>
+          <a:p>
+            <a:endParaRPr lang="hu-HU" sz="2000" kern="100" dirty="0">
+              <a:solidFill>
+                <a:schemeClr val="bg2">
+                  <a:lumMod val="75000"/>
+                </a:schemeClr>
+              </a:solidFill>
+              <a:latin typeface="Calibri" panose="020F0502020204030204" pitchFamily="34" charset="0"/>
+              <a:ea typeface="Calibri" panose="020F0502020204030204" pitchFamily="34" charset="0"/>
+              <a:cs typeface="Times New Roman" panose="02020603050405020304" pitchFamily="18" charset="0"/>
+            </a:endParaRPr>
+          </a:p>
+          <a:p>
+            <a:endParaRPr lang="hu-HU" sz="2000" kern="100" dirty="0">
+              <a:solidFill>
+                <a:schemeClr val="bg2">
+                  <a:lumMod val="75000"/>
+                </a:schemeClr>
+              </a:solidFill>
+              <a:latin typeface="Calibri" panose="020F0502020204030204" pitchFamily="34" charset="0"/>
+              <a:ea typeface="Calibri" panose="020F0502020204030204" pitchFamily="34" charset="0"/>
+              <a:cs typeface="Times New Roman" panose="02020603050405020304" pitchFamily="18" charset="0"/>
+            </a:endParaRPr>
+          </a:p>
+          <a:p>
             <a:r>
-              <a:rPr lang="hu-HU" sz="2000" kern="100" dirty="0" err="1">
+              <a:rPr lang="hu-HU" sz="2000" b="1" kern="100" dirty="0">
                 <a:solidFill>
                   <a:schemeClr val="bg2">
                     <a:lumMod val="75000"/>
@@ -15164,10 +15232,10 @@
                 <a:ea typeface="Calibri" panose="020F0502020204030204" pitchFamily="34" charset="0"/>
                 <a:cs typeface="Times New Roman" panose="02020603050405020304" pitchFamily="18" charset="0"/>
               </a:rPr>
-              <a:t>SQLite</a:t>
+              <a:t>3. </a:t>
             </a:r>
             <a:r>
-              <a:rPr lang="hu-HU" sz="2000" kern="100" dirty="0">
+              <a:rPr lang="hu-HU" sz="2000" b="1" kern="100" dirty="0" err="1">
                 <a:solidFill>
                   <a:schemeClr val="bg2">
                     <a:lumMod val="75000"/>
@@ -15177,8 +15245,44 @@
                 <a:ea typeface="Calibri" panose="020F0502020204030204" pitchFamily="34" charset="0"/>
                 <a:cs typeface="Times New Roman" panose="02020603050405020304" pitchFamily="18" charset="0"/>
               </a:rPr>
-              <a:t> formátumba</a:t>
+              <a:t>step</a:t>
             </a:r>
+            <a:r>
+              <a:rPr lang="hu-HU" sz="2000" b="1" kern="100" dirty="0">
+                <a:solidFill>
+                  <a:schemeClr val="bg2">
+                    <a:lumMod val="75000"/>
+                  </a:schemeClr>
+                </a:solidFill>
+                <a:latin typeface="Calibri" panose="020F0502020204030204" pitchFamily="34" charset="0"/>
+                <a:ea typeface="Calibri" panose="020F0502020204030204" pitchFamily="34" charset="0"/>
+                <a:cs typeface="Times New Roman" panose="02020603050405020304" pitchFamily="18" charset="0"/>
+              </a:rPr>
+              <a:t>: </a:t>
+            </a:r>
+            <a:r>
+              <a:rPr lang="en-US" sz="2000" kern="100" dirty="0">
+                <a:solidFill>
+                  <a:schemeClr val="bg2">
+                    <a:lumMod val="75000"/>
+                  </a:schemeClr>
+                </a:solidFill>
+                <a:latin typeface="Calibri" panose="020F0502020204030204" pitchFamily="34" charset="0"/>
+                <a:ea typeface="Calibri" panose="020F0502020204030204" pitchFamily="34" charset="0"/>
+                <a:cs typeface="Times New Roman" panose="02020603050405020304" pitchFamily="18" charset="0"/>
+              </a:rPr>
+              <a:t>Converting the MySQL database to SQLite format</a:t>
+            </a:r>
+            <a:endParaRPr lang="hu-HU" sz="2000" kern="100" dirty="0">
+              <a:solidFill>
+                <a:schemeClr val="bg2">
+                  <a:lumMod val="75000"/>
+                </a:schemeClr>
+              </a:solidFill>
+              <a:latin typeface="Calibri" panose="020F0502020204030204" pitchFamily="34" charset="0"/>
+              <a:ea typeface="Calibri" panose="020F0502020204030204" pitchFamily="34" charset="0"/>
+              <a:cs typeface="Times New Roman" panose="02020603050405020304" pitchFamily="18" charset="0"/>
+            </a:endParaRPr>
           </a:p>
           <a:p>
             <a:endParaRPr lang="hu-HU" sz="2400" dirty="0"/>
